--- a/report/김종하,박종건_웹으로구현하는근태관리시스템.pptx
+++ b/report/김종하,박종건_웹으로구현하는근태관리시스템.pptx
@@ -4537,19 +4537,11 @@
           <a:p>
             <a:r>
               <a:rPr lang="ko-KR" altLang="en-US" sz="1100" dirty="0"/>
-              <a:t>이름</a:t>
+              <a:t>박종건</a:t>
             </a:r>
             <a:r>
               <a:rPr lang="en-US" altLang="ko-KR" sz="1100" dirty="0"/>
-              <a:t>(</a:t>
-            </a:r>
-            <a:r>
-              <a:rPr lang="ko-KR" altLang="en-US" sz="1100" dirty="0" err="1"/>
-              <a:t>입학년도</a:t>
-            </a:r>
-            <a:r>
-              <a:rPr lang="en-US" altLang="ko-KR" sz="1100" dirty="0"/>
-              <a:t>)</a:t>
+              <a:t>(2019)</a:t>
             </a:r>
             <a:endParaRPr lang="ko-KR" altLang="en-US" sz="1100" dirty="0"/>
           </a:p>
@@ -4699,7 +4691,17 @@
                 <a:effectLst/>
                 <a:latin typeface="+mn-ea"/>
               </a:rPr>
-              <a:t>이 프로젝트는 회사의 근태 관리를 보다 체계적이고 효율적으로 수행하기 위한 시스템입니다</a:t>
+              <a:t>이 프로젝트는 회사 내 사원들의 근태 관리를 보다 체계적이고 효율적으로 수행하기 위해 웹으로 구현한 </a:t>
+            </a:r>
+            <a:r>
+              <a:rPr lang="ko-KR" altLang="en-US" sz="1100" kern="0" spc="0" dirty="0" err="1">
+                <a:solidFill>
+                  <a:srgbClr val="000000"/>
+                </a:solidFill>
+                <a:effectLst/>
+                <a:latin typeface="+mn-ea"/>
+              </a:rPr>
+              <a:t>근태관리시스템입니다</a:t>
             </a:r>
             <a:r>
               <a:rPr lang="en-US" altLang="ko-KR" sz="1100" kern="0" spc="0" dirty="0">
@@ -5327,6 +5329,36 @@
           </a:p>
         </p:txBody>
       </p:sp>
+      <p:pic>
+        <p:nvPicPr>
+          <p:cNvPr id="8" name="그림 7">
+            <a:extLst>
+              <a:ext uri="{FF2B5EF4-FFF2-40B4-BE49-F238E27FC236}">
+                <a16:creationId xmlns:a16="http://schemas.microsoft.com/office/drawing/2014/main" id="{48B89AA6-0F71-BF8C-B34D-5FC13720255B}"/>
+              </a:ext>
+            </a:extLst>
+          </p:cNvPr>
+          <p:cNvPicPr>
+            <a:picLocks noChangeAspect="1"/>
+          </p:cNvPicPr>
+          <p:nvPr/>
+        </p:nvPicPr>
+        <p:blipFill>
+          <a:blip r:embed="rId3"/>
+          <a:stretch>
+            <a:fillRect/>
+          </a:stretch>
+        </p:blipFill>
+        <p:spPr>
+          <a:xfrm>
+            <a:off x="4495922" y="453358"/>
+            <a:ext cx="890586" cy="995432"/>
+          </a:xfrm>
+          <a:prstGeom prst="rect">
+            <a:avLst/>
+          </a:prstGeom>
+        </p:spPr>
+      </p:pic>
     </p:spTree>
     <p:extLst>
       <p:ext uri="{BB962C8B-B14F-4D97-AF65-F5344CB8AC3E}">

--- a/report/김종하,박종건_웹으로구현하는근태관리시스템.pptx
+++ b/report/김종하,박종건_웹으로구현하는근태관리시스템.pptx
@@ -244,7 +244,7 @@
           <a:p>
             <a:fld id="{5D8F69DE-42B9-4096-9680-12E887B2682F}" type="datetimeFigureOut">
               <a:rPr lang="ko-KR" altLang="en-US" smtClean="0"/>
-              <a:t>2025-06-16</a:t>
+              <a:t>2025-06-17</a:t>
             </a:fld>
             <a:endParaRPr lang="ko-KR" altLang="en-US"/>
           </a:p>
@@ -414,7 +414,7 @@
           <a:p>
             <a:fld id="{5D8F69DE-42B9-4096-9680-12E887B2682F}" type="datetimeFigureOut">
               <a:rPr lang="ko-KR" altLang="en-US" smtClean="0"/>
-              <a:t>2025-06-16</a:t>
+              <a:t>2025-06-17</a:t>
             </a:fld>
             <a:endParaRPr lang="ko-KR" altLang="en-US"/>
           </a:p>
@@ -594,7 +594,7 @@
           <a:p>
             <a:fld id="{5D8F69DE-42B9-4096-9680-12E887B2682F}" type="datetimeFigureOut">
               <a:rPr lang="ko-KR" altLang="en-US" smtClean="0"/>
-              <a:t>2025-06-16</a:t>
+              <a:t>2025-06-17</a:t>
             </a:fld>
             <a:endParaRPr lang="ko-KR" altLang="en-US"/>
           </a:p>
@@ -764,7 +764,7 @@
           <a:p>
             <a:fld id="{5D8F69DE-42B9-4096-9680-12E887B2682F}" type="datetimeFigureOut">
               <a:rPr lang="ko-KR" altLang="en-US" smtClean="0"/>
-              <a:t>2025-06-16</a:t>
+              <a:t>2025-06-17</a:t>
             </a:fld>
             <a:endParaRPr lang="ko-KR" altLang="en-US"/>
           </a:p>
@@ -1008,7 +1008,7 @@
           <a:p>
             <a:fld id="{5D8F69DE-42B9-4096-9680-12E887B2682F}" type="datetimeFigureOut">
               <a:rPr lang="ko-KR" altLang="en-US" smtClean="0"/>
-              <a:t>2025-06-16</a:t>
+              <a:t>2025-06-17</a:t>
             </a:fld>
             <a:endParaRPr lang="ko-KR" altLang="en-US"/>
           </a:p>
@@ -1240,7 +1240,7 @@
           <a:p>
             <a:fld id="{5D8F69DE-42B9-4096-9680-12E887B2682F}" type="datetimeFigureOut">
               <a:rPr lang="ko-KR" altLang="en-US" smtClean="0"/>
-              <a:t>2025-06-16</a:t>
+              <a:t>2025-06-17</a:t>
             </a:fld>
             <a:endParaRPr lang="ko-KR" altLang="en-US"/>
           </a:p>
@@ -1607,7 +1607,7 @@
           <a:p>
             <a:fld id="{5D8F69DE-42B9-4096-9680-12E887B2682F}" type="datetimeFigureOut">
               <a:rPr lang="ko-KR" altLang="en-US" smtClean="0"/>
-              <a:t>2025-06-16</a:t>
+              <a:t>2025-06-17</a:t>
             </a:fld>
             <a:endParaRPr lang="ko-KR" altLang="en-US"/>
           </a:p>
@@ -1725,7 +1725,7 @@
           <a:p>
             <a:fld id="{5D8F69DE-42B9-4096-9680-12E887B2682F}" type="datetimeFigureOut">
               <a:rPr lang="ko-KR" altLang="en-US" smtClean="0"/>
-              <a:t>2025-06-16</a:t>
+              <a:t>2025-06-17</a:t>
             </a:fld>
             <a:endParaRPr lang="ko-KR" altLang="en-US"/>
           </a:p>
@@ -1820,7 +1820,7 @@
           <a:p>
             <a:fld id="{5D8F69DE-42B9-4096-9680-12E887B2682F}" type="datetimeFigureOut">
               <a:rPr lang="ko-KR" altLang="en-US" smtClean="0"/>
-              <a:t>2025-06-16</a:t>
+              <a:t>2025-06-17</a:t>
             </a:fld>
             <a:endParaRPr lang="ko-KR" altLang="en-US"/>
           </a:p>
@@ -2097,7 +2097,7 @@
           <a:p>
             <a:fld id="{5D8F69DE-42B9-4096-9680-12E887B2682F}" type="datetimeFigureOut">
               <a:rPr lang="ko-KR" altLang="en-US" smtClean="0"/>
-              <a:t>2025-06-16</a:t>
+              <a:t>2025-06-17</a:t>
             </a:fld>
             <a:endParaRPr lang="ko-KR" altLang="en-US"/>
           </a:p>
@@ -2354,7 +2354,7 @@
           <a:p>
             <a:fld id="{5D8F69DE-42B9-4096-9680-12E887B2682F}" type="datetimeFigureOut">
               <a:rPr lang="ko-KR" altLang="en-US" smtClean="0"/>
-              <a:t>2025-06-16</a:t>
+              <a:t>2025-06-17</a:t>
             </a:fld>
             <a:endParaRPr lang="ko-KR" altLang="en-US"/>
           </a:p>
@@ -2567,7 +2567,7 @@
           <a:p>
             <a:fld id="{5D8F69DE-42B9-4096-9680-12E887B2682F}" type="datetimeFigureOut">
               <a:rPr lang="ko-KR" altLang="en-US" smtClean="0"/>
-              <a:t>2025-06-16</a:t>
+              <a:t>2025-06-17</a:t>
             </a:fld>
             <a:endParaRPr lang="ko-KR" altLang="en-US"/>
           </a:p>
@@ -4251,6 +4251,13 @@
               </a:rPr>
               <a:t>시스템 구성도에 들어가는 이미지는 </a:t>
             </a:r>
+            <a:r>
+              <a:rPr lang="en-US" altLang="ko-KR" sz="1200" dirty="0">
+                <a:latin typeface="나눔스퀘어 네오 Bold" panose="00000800000000000000" pitchFamily="2" charset="-127"/>
+                <a:ea typeface="나눔스퀘어 네오 Bold" panose="00000800000000000000" pitchFamily="2" charset="-127"/>
+              </a:rPr>
+              <a:t/>
+            </a:r>
             <a:br>
               <a:rPr lang="en-US" altLang="ko-KR" sz="1200" dirty="0">
                 <a:latin typeface="나눔스퀘어 네오 Bold" panose="00000800000000000000" pitchFamily="2" charset="-127"/>
@@ -4479,8 +4486,8 @@
         </p:nvSpPr>
         <p:spPr>
           <a:xfrm>
-            <a:off x="5505326" y="1448790"/>
-            <a:ext cx="1180482" cy="261610"/>
+            <a:off x="5472813" y="1448790"/>
+            <a:ext cx="1212995" cy="261609"/>
           </a:xfrm>
           <a:prstGeom prst="rect">
             <a:avLst/>
@@ -4494,20 +4501,12 @@
           <a:lstStyle/>
           <a:p>
             <a:r>
-              <a:rPr lang="ko-KR" altLang="en-US" sz="1100" dirty="0"/>
-              <a:t>이름</a:t>
-            </a:r>
-            <a:r>
-              <a:rPr lang="en-US" altLang="ko-KR" sz="1100" dirty="0"/>
-              <a:t>(</a:t>
-            </a:r>
-            <a:r>
-              <a:rPr lang="ko-KR" altLang="en-US" sz="1100" dirty="0" err="1"/>
-              <a:t>입학년도</a:t>
-            </a:r>
-            <a:r>
-              <a:rPr lang="en-US" altLang="ko-KR" sz="1100" dirty="0"/>
-              <a:t>)</a:t>
+              <a:rPr lang="ko-KR" altLang="en-US" sz="1100" dirty="0" smtClean="0"/>
+              <a:t>김종하</a:t>
+            </a:r>
+            <a:r>
+              <a:rPr lang="en-US" altLang="ko-KR" sz="1100" dirty="0" smtClean="0"/>
+              <a:t>(2020)</a:t>
             </a:r>
             <a:endParaRPr lang="ko-KR" altLang="en-US" sz="1100" dirty="0"/>
           </a:p>
@@ -4521,8 +4520,8 @@
         </p:nvSpPr>
         <p:spPr>
           <a:xfrm>
-            <a:off x="4527301" y="1448790"/>
-            <a:ext cx="1149103" cy="261610"/>
+            <a:off x="4487895" y="1448789"/>
+            <a:ext cx="1188510" cy="261610"/>
           </a:xfrm>
           <a:prstGeom prst="rect">
             <a:avLst/>
@@ -5351,8 +5350,68 @@
         </p:blipFill>
         <p:spPr>
           <a:xfrm>
-            <a:off x="4495922" y="453358"/>
-            <a:ext cx="890586" cy="995432"/>
+            <a:off x="4487895" y="323685"/>
+            <a:ext cx="890586" cy="1125105"/>
+          </a:xfrm>
+          <a:prstGeom prst="rect">
+            <a:avLst/>
+          </a:prstGeom>
+        </p:spPr>
+      </p:pic>
+      <p:pic>
+        <p:nvPicPr>
+          <p:cNvPr id="4" name="그림 3"/>
+          <p:cNvPicPr>
+            <a:picLocks noChangeAspect="1"/>
+          </p:cNvPicPr>
+          <p:nvPr/>
+        </p:nvPicPr>
+        <p:blipFill>
+          <a:blip r:embed="rId4" cstate="print">
+            <a:extLst>
+              <a:ext uri="{28A0092B-C50C-407E-A947-70E740481C1C}">
+                <a14:useLocalDpi xmlns:a14="http://schemas.microsoft.com/office/drawing/2010/main" val="0"/>
+              </a:ext>
+            </a:extLst>
+          </a:blip>
+          <a:stretch>
+            <a:fillRect/>
+          </a:stretch>
+        </p:blipFill>
+        <p:spPr>
+          <a:xfrm>
+            <a:off x="5472813" y="323685"/>
+            <a:ext cx="873395" cy="1123478"/>
+          </a:xfrm>
+          <a:prstGeom prst="rect">
+            <a:avLst/>
+          </a:prstGeom>
+        </p:spPr>
+      </p:pic>
+      <p:pic>
+        <p:nvPicPr>
+          <p:cNvPr id="11" name="그림 10"/>
+          <p:cNvPicPr>
+            <a:picLocks noChangeAspect="1"/>
+          </p:cNvPicPr>
+          <p:nvPr/>
+        </p:nvPicPr>
+        <p:blipFill>
+          <a:blip r:embed="rId5">
+            <a:extLst>
+              <a:ext uri="{28A0092B-C50C-407E-A947-70E740481C1C}">
+                <a14:useLocalDpi xmlns:a14="http://schemas.microsoft.com/office/drawing/2010/main" val="0"/>
+              </a:ext>
+            </a:extLst>
+          </a:blip>
+          <a:stretch>
+            <a:fillRect/>
+          </a:stretch>
+        </p:blipFill>
+        <p:spPr>
+          <a:xfrm>
+            <a:off x="3558640" y="5873585"/>
+            <a:ext cx="2755074" cy="2978315"/>
           </a:xfrm>
           <a:prstGeom prst="rect">
             <a:avLst/>

--- a/report/김종하,박종건_웹으로구현하는근태관리시스템.pptx
+++ b/report/김종하,박종건_웹으로구현하는근태관리시스템.pptx
@@ -4765,33 +4765,76 @@
           <a:bodyPr rtlCol="0" anchor="ctr"/>
           <a:lstStyle/>
           <a:p>
-            <a:pPr marL="171450" indent="-171450">
-              <a:buFont typeface="Arial" panose="020B0604020202020204" pitchFamily="34" charset="0"/>
-              <a:buChar char="•"/>
-            </a:pPr>
-            <a:r>
-              <a:rPr lang="ko-KR" altLang="en-US" sz="1100" dirty="0">
-                <a:solidFill>
-                  <a:schemeClr val="tx1"/>
-                </a:solidFill>
-              </a:rPr>
-              <a:t>공통</a:t>
-            </a:r>
+            <a:r>
+              <a:rPr lang="ko-KR" altLang="en-US" sz="1100" dirty="0" smtClean="0">
+                <a:solidFill>
+                  <a:schemeClr val="tx1"/>
+                </a:solidFill>
+              </a:rPr>
+              <a:t>관리자 </a:t>
+            </a:r>
+            <a:r>
+              <a:rPr lang="en-US" altLang="ko-KR" sz="1100" dirty="0" smtClean="0">
+                <a:solidFill>
+                  <a:schemeClr val="tx1"/>
+                </a:solidFill>
+              </a:rPr>
+              <a:t>: </a:t>
+            </a:r>
+            <a:r>
+              <a:rPr lang="ko-KR" altLang="en-US" sz="1100" dirty="0" smtClean="0">
+                <a:solidFill>
+                  <a:schemeClr val="tx1"/>
+                </a:solidFill>
+              </a:rPr>
+              <a:t>근태패턴관리</a:t>
+            </a:r>
+            <a:endParaRPr lang="en-US" altLang="ko-KR" sz="1100" dirty="0" smtClean="0">
+              <a:solidFill>
+                <a:schemeClr val="tx1"/>
+              </a:solidFill>
+            </a:endParaRPr>
+          </a:p>
+          <a:p>
             <a:r>
               <a:rPr lang="en-US" altLang="ko-KR" sz="1100" dirty="0">
                 <a:solidFill>
                   <a:schemeClr val="tx1"/>
                 </a:solidFill>
               </a:rPr>
-              <a:t>: </a:t>
-            </a:r>
-            <a:r>
-              <a:rPr lang="ko-KR" altLang="en-US" sz="1100" dirty="0">
-                <a:solidFill>
-                  <a:schemeClr val="tx1"/>
-                </a:solidFill>
-              </a:rPr>
-              <a:t>로그인</a:t>
+              <a:t> </a:t>
+            </a:r>
+            <a:r>
+              <a:rPr lang="en-US" altLang="ko-KR" sz="1100" dirty="0" smtClean="0">
+                <a:solidFill>
+                  <a:schemeClr val="tx1"/>
+                </a:solidFill>
+              </a:rPr>
+              <a:t>                    - </a:t>
+            </a:r>
+            <a:r>
+              <a:rPr lang="ko-KR" altLang="en-US" sz="1100" dirty="0" smtClean="0">
+                <a:solidFill>
+                  <a:schemeClr val="tx1"/>
+                </a:solidFill>
+              </a:rPr>
+              <a:t>근태패턴생성</a:t>
+            </a:r>
+            <a:r>
+              <a:rPr lang="en-US" altLang="ko-KR" sz="1100" dirty="0">
+                <a:solidFill>
+                  <a:schemeClr val="tx1"/>
+                </a:solidFill>
+              </a:rPr>
+              <a:t>/</a:t>
+            </a:r>
+            <a:r>
+              <a:rPr lang="ko-KR" altLang="en-US" sz="1100" dirty="0" smtClean="0">
+                <a:solidFill>
+                  <a:schemeClr val="tx1"/>
+                </a:solidFill>
+              </a:rPr>
+              <a:t>제거</a:t>
             </a:r>
             <a:endParaRPr lang="en-US" altLang="ko-KR" sz="1100" dirty="0">
               <a:solidFill>
@@ -4800,10 +4843,93 @@
             </a:endParaRPr>
           </a:p>
           <a:p>
-            <a:pPr marL="171450" indent="-171450">
-              <a:buFont typeface="Arial" panose="020B0604020202020204" pitchFamily="34" charset="0"/>
-              <a:buChar char="•"/>
-            </a:pPr>
+            <a:r>
+              <a:rPr lang="en-US" altLang="ko-KR" sz="1100" dirty="0">
+                <a:solidFill>
+                  <a:schemeClr val="tx1"/>
+                </a:solidFill>
+              </a:rPr>
+              <a:t>           </a:t>
+            </a:r>
+            <a:r>
+              <a:rPr lang="en-US" altLang="ko-KR" sz="1100" dirty="0" smtClean="0">
+                <a:solidFill>
+                  <a:schemeClr val="tx1"/>
+                </a:solidFill>
+              </a:rPr>
+              <a:t>      </a:t>
+            </a:r>
+            <a:r>
+              <a:rPr lang="ko-KR" altLang="en-US" sz="1100" dirty="0" smtClean="0">
+                <a:solidFill>
+                  <a:schemeClr val="tx1"/>
+                </a:solidFill>
+              </a:rPr>
+              <a:t>부서 관리</a:t>
+            </a:r>
+            <a:endParaRPr lang="en-US" altLang="ko-KR" sz="1100" dirty="0" smtClean="0">
+              <a:solidFill>
+                <a:schemeClr val="tx1"/>
+              </a:solidFill>
+            </a:endParaRPr>
+          </a:p>
+          <a:p>
+            <a:r>
+              <a:rPr lang="en-US" altLang="ko-KR" sz="1100" dirty="0">
+                <a:solidFill>
+                  <a:schemeClr val="tx1"/>
+                </a:solidFill>
+              </a:rPr>
+              <a:t> </a:t>
+            </a:r>
+            <a:r>
+              <a:rPr lang="en-US" altLang="ko-KR" sz="1100" dirty="0" smtClean="0">
+                <a:solidFill>
+                  <a:schemeClr val="tx1"/>
+                </a:solidFill>
+              </a:rPr>
+              <a:t>                    - </a:t>
+            </a:r>
+            <a:r>
+              <a:rPr lang="ko-KR" altLang="en-US" sz="1100" dirty="0" err="1" smtClean="0">
+                <a:solidFill>
+                  <a:schemeClr val="tx1"/>
+                </a:solidFill>
+              </a:rPr>
+              <a:t>부서생성</a:t>
+            </a:r>
+            <a:r>
+              <a:rPr lang="en-US" altLang="ko-KR" sz="1100" dirty="0">
+                <a:solidFill>
+                  <a:schemeClr val="tx1"/>
+                </a:solidFill>
+              </a:rPr>
+              <a:t>/</a:t>
+            </a:r>
+            <a:r>
+              <a:rPr lang="ko-KR" altLang="en-US" sz="1100" dirty="0">
+                <a:solidFill>
+                  <a:schemeClr val="tx1"/>
+                </a:solidFill>
+              </a:rPr>
+              <a:t>수정</a:t>
+            </a:r>
+            <a:r>
+              <a:rPr lang="en-US" altLang="ko-KR" sz="1100" dirty="0">
+                <a:solidFill>
+                  <a:schemeClr val="tx1"/>
+                </a:solidFill>
+              </a:rPr>
+              <a:t>/</a:t>
+            </a:r>
+            <a:r>
+              <a:rPr lang="ko-KR" altLang="en-US" sz="1100" dirty="0" smtClean="0">
+                <a:solidFill>
+                  <a:schemeClr val="tx1"/>
+                </a:solidFill>
+              </a:rPr>
+              <a:t>제거</a:t>
+            </a:r>
             <a:endParaRPr lang="en-US" altLang="ko-KR" sz="1100" dirty="0">
               <a:solidFill>
                 <a:schemeClr val="tx1"/>
@@ -4811,17 +4937,21 @@
             </a:endParaRPr>
           </a:p>
           <a:p>
-            <a:pPr marL="171450" indent="-171450">
-              <a:buFont typeface="Arial" panose="020B0604020202020204" pitchFamily="34" charset="0"/>
-              <a:buChar char="•"/>
-            </a:pPr>
-            <a:r>
-              <a:rPr lang="ko-KR" altLang="en-US" sz="1100" dirty="0">
-                <a:solidFill>
-                  <a:schemeClr val="tx1"/>
-                </a:solidFill>
-              </a:rPr>
-              <a:t>관리자</a:t>
+            <a:r>
+              <a:rPr lang="en-US" altLang="ko-KR" sz="1100" dirty="0" smtClean="0">
+                <a:solidFill>
+                  <a:schemeClr val="tx1"/>
+                </a:solidFill>
+              </a:rPr>
+              <a:t>                     - </a:t>
+            </a:r>
+            <a:r>
+              <a:rPr lang="ko-KR" altLang="en-US" sz="1100" dirty="0" err="1" smtClean="0">
+                <a:solidFill>
+                  <a:schemeClr val="tx1"/>
+                </a:solidFill>
+              </a:rPr>
+              <a:t>사원추가</a:t>
             </a:r>
             <a:r>
               <a:rPr lang="en-US" altLang="ko-KR" sz="1100" dirty="0">
@@ -4829,31 +4959,15 @@
                   <a:schemeClr val="tx1"/>
                 </a:solidFill>
               </a:rPr>
-              <a:t>: </a:t>
-            </a:r>
-            <a:r>
-              <a:rPr lang="ko-KR" altLang="en-US" sz="1100" dirty="0">
-                <a:solidFill>
-                  <a:schemeClr val="tx1"/>
-                </a:solidFill>
-              </a:rPr>
-              <a:t>근태패턴 관리</a:t>
-            </a:r>
-            <a:r>
-              <a:rPr lang="en-US" altLang="ko-KR" sz="1100" dirty="0">
-                <a:solidFill>
-                  <a:schemeClr val="tx1"/>
-                </a:solidFill>
-              </a:rPr>
-              <a:t>, </a:t>
-            </a:r>
-            <a:r>
-              <a:rPr lang="ko-KR" altLang="en-US" sz="1100" dirty="0">
-                <a:solidFill>
-                  <a:schemeClr val="tx1"/>
-                </a:solidFill>
-              </a:rPr>
-              <a:t>부서 관리</a:t>
+              <a:t>/</a:t>
+            </a:r>
+            <a:r>
+              <a:rPr lang="ko-KR" altLang="en-US" sz="1100" dirty="0" smtClean="0">
+                <a:solidFill>
+                  <a:schemeClr val="tx1"/>
+                </a:solidFill>
+              </a:rPr>
+              <a:t>제외</a:t>
             </a:r>
             <a:endParaRPr lang="en-US" altLang="ko-KR" sz="1100" dirty="0">
               <a:solidFill>
@@ -4862,10 +4976,6 @@
             </a:endParaRPr>
           </a:p>
           <a:p>
-            <a:pPr marL="171450" indent="-171450">
-              <a:buFont typeface="Arial" panose="020B0604020202020204" pitchFamily="34" charset="0"/>
-              <a:buChar char="•"/>
-            </a:pPr>
             <a:endParaRPr lang="en-US" altLang="ko-KR" sz="1100" dirty="0">
               <a:solidFill>
                 <a:schemeClr val="tx1"/>
@@ -4873,25 +4983,115 @@
             </a:endParaRPr>
           </a:p>
           <a:p>
-            <a:pPr marL="171450" indent="-171450">
-              <a:buFont typeface="Arial" panose="020B0604020202020204" pitchFamily="34" charset="0"/>
-              <a:buChar char="•"/>
-            </a:pPr>
+            <a:r>
+              <a:rPr lang="ko-KR" altLang="en-US" sz="1100" dirty="0" smtClean="0">
+                <a:solidFill>
+                  <a:schemeClr val="tx1"/>
+                </a:solidFill>
+              </a:rPr>
+              <a:t>유저 </a:t>
+            </a:r>
+            <a:r>
+              <a:rPr lang="en-US" altLang="ko-KR" sz="1100" dirty="0" smtClean="0">
+                <a:solidFill>
+                  <a:schemeClr val="tx1"/>
+                </a:solidFill>
+              </a:rPr>
+              <a:t>: </a:t>
+            </a:r>
             <a:r>
               <a:rPr lang="ko-KR" altLang="en-US" sz="1100" dirty="0">
                 <a:solidFill>
                   <a:schemeClr val="tx1"/>
                 </a:solidFill>
               </a:rPr>
-              <a:t>유저</a:t>
-            </a:r>
+              <a:t>근태 </a:t>
+            </a:r>
+            <a:r>
+              <a:rPr lang="ko-KR" altLang="en-US" sz="1100" dirty="0" smtClean="0">
+                <a:solidFill>
+                  <a:schemeClr val="tx1"/>
+                </a:solidFill>
+              </a:rPr>
+              <a:t>신청</a:t>
+            </a:r>
+            <a:endParaRPr lang="en-US" altLang="ko-KR" sz="1100" dirty="0" smtClean="0">
+              <a:solidFill>
+                <a:schemeClr val="tx1"/>
+              </a:solidFill>
+            </a:endParaRPr>
+          </a:p>
+          <a:p>
             <a:r>
               <a:rPr lang="en-US" altLang="ko-KR" sz="1100" dirty="0">
                 <a:solidFill>
                   <a:schemeClr val="tx1"/>
                 </a:solidFill>
               </a:rPr>
-              <a:t>: </a:t>
+              <a:t> </a:t>
+            </a:r>
+            <a:r>
+              <a:rPr lang="en-US" altLang="ko-KR" sz="1100" dirty="0" smtClean="0">
+                <a:solidFill>
+                  <a:schemeClr val="tx1"/>
+                </a:solidFill>
+              </a:rPr>
+              <a:t>                - </a:t>
+            </a:r>
+            <a:r>
+              <a:rPr lang="ko-KR" altLang="en-US" sz="1100" dirty="0" smtClean="0">
+                <a:solidFill>
+                  <a:schemeClr val="tx1"/>
+                </a:solidFill>
+              </a:rPr>
+              <a:t>일반</a:t>
+            </a:r>
+            <a:r>
+              <a:rPr lang="en-US" altLang="ko-KR" sz="1100" dirty="0">
+                <a:solidFill>
+                  <a:schemeClr val="tx1"/>
+                </a:solidFill>
+              </a:rPr>
+              <a:t>/</a:t>
+            </a:r>
+            <a:r>
+              <a:rPr lang="ko-KR" altLang="en-US" sz="1100" dirty="0" smtClean="0">
+                <a:solidFill>
+                  <a:schemeClr val="tx1"/>
+                </a:solidFill>
+              </a:rPr>
+              <a:t>기타근태신청</a:t>
+            </a:r>
+            <a:endParaRPr lang="en-US" altLang="ko-KR" sz="1100" dirty="0">
+              <a:solidFill>
+                <a:schemeClr val="tx1"/>
+              </a:solidFill>
+            </a:endParaRPr>
+          </a:p>
+          <a:p>
+            <a:r>
+              <a:rPr lang="en-US" altLang="ko-KR" sz="1100" dirty="0">
+                <a:solidFill>
+                  <a:schemeClr val="tx1"/>
+                </a:solidFill>
+              </a:rPr>
+              <a:t>       </a:t>
+            </a:r>
+            <a:r>
+              <a:rPr lang="en-US" altLang="ko-KR" sz="1100" dirty="0" smtClean="0">
+                <a:solidFill>
+                  <a:schemeClr val="tx1"/>
+                </a:solidFill>
+              </a:rPr>
+              <a:t>     </a:t>
+            </a:r>
+            <a:r>
+              <a:rPr lang="ko-KR" altLang="en-US" sz="1100" dirty="0" smtClean="0">
+                <a:solidFill>
+                  <a:schemeClr val="tx1"/>
+                </a:solidFill>
+              </a:rPr>
+              <a:t>신청한 </a:t>
             </a:r>
             <a:r>
               <a:rPr lang="ko-KR" altLang="en-US" sz="1100" dirty="0">
@@ -4899,15 +5099,77 @@
                   <a:schemeClr val="tx1"/>
                 </a:solidFill>
               </a:rPr>
-              <a:t>근태 신청</a:t>
-            </a:r>
+              <a:t>근태 </a:t>
+            </a:r>
+            <a:r>
+              <a:rPr lang="ko-KR" altLang="en-US" sz="1100" dirty="0" smtClean="0">
+                <a:solidFill>
+                  <a:schemeClr val="tx1"/>
+                </a:solidFill>
+              </a:rPr>
+              <a:t>결재</a:t>
+            </a:r>
+            <a:endParaRPr lang="en-US" altLang="ko-KR" sz="1100" dirty="0" smtClean="0">
+              <a:solidFill>
+                <a:schemeClr val="tx1"/>
+              </a:solidFill>
+            </a:endParaRPr>
+          </a:p>
+          <a:p>
             <a:r>
               <a:rPr lang="en-US" altLang="ko-KR" sz="1100" dirty="0">
                 <a:solidFill>
                   <a:schemeClr val="tx1"/>
                 </a:solidFill>
               </a:rPr>
-              <a:t>, </a:t>
+              <a:t> </a:t>
+            </a:r>
+            <a:r>
+              <a:rPr lang="en-US" altLang="ko-KR" sz="1100" dirty="0" smtClean="0">
+                <a:solidFill>
+                  <a:schemeClr val="tx1"/>
+                </a:solidFill>
+              </a:rPr>
+              <a:t>                - </a:t>
+            </a:r>
+            <a:r>
+              <a:rPr lang="ko-KR" altLang="en-US" sz="1100" dirty="0" smtClean="0">
+                <a:solidFill>
+                  <a:schemeClr val="tx1"/>
+                </a:solidFill>
+              </a:rPr>
+              <a:t>근태신청승인</a:t>
+            </a:r>
+            <a:endParaRPr lang="en-US" altLang="ko-KR" sz="1100" dirty="0">
+              <a:solidFill>
+                <a:schemeClr val="tx1"/>
+              </a:solidFill>
+            </a:endParaRPr>
+          </a:p>
+          <a:p>
+            <a:r>
+              <a:rPr lang="en-US" altLang="ko-KR" sz="1100" dirty="0">
+                <a:solidFill>
+                  <a:schemeClr val="tx1"/>
+                </a:solidFill>
+              </a:rPr>
+              <a:t>       </a:t>
+            </a:r>
+            <a:r>
+              <a:rPr lang="en-US" altLang="ko-KR" sz="1100" dirty="0" smtClean="0">
+                <a:solidFill>
+                  <a:schemeClr val="tx1"/>
+                </a:solidFill>
+              </a:rPr>
+              <a:t>     </a:t>
+            </a:r>
+            <a:r>
+              <a:rPr lang="ko-KR" altLang="en-US" sz="1100" dirty="0" smtClean="0">
+                <a:solidFill>
+                  <a:schemeClr val="tx1"/>
+                </a:solidFill>
+              </a:rPr>
+              <a:t>근태 </a:t>
             </a:r>
             <a:r>
               <a:rPr lang="ko-KR" altLang="en-US" sz="1100" dirty="0">
@@ -4915,16 +5177,52 @@
                   <a:schemeClr val="tx1"/>
                 </a:solidFill>
               </a:rPr>
-              <a:t>신청한 근태 결재</a:t>
-            </a:r>
+              <a:t>신청 </a:t>
+            </a:r>
+            <a:r>
+              <a:rPr lang="ko-KR" altLang="en-US" sz="1100" dirty="0" smtClean="0">
+                <a:solidFill>
+                  <a:schemeClr val="tx1"/>
+                </a:solidFill>
+              </a:rPr>
+              <a:t>내역</a:t>
+            </a:r>
+            <a:endParaRPr lang="en-US" altLang="ko-KR" sz="1100" dirty="0" smtClean="0">
+              <a:solidFill>
+                <a:schemeClr val="tx1"/>
+              </a:solidFill>
+            </a:endParaRPr>
+          </a:p>
+          <a:p>
             <a:r>
               <a:rPr lang="en-US" altLang="ko-KR" sz="1100" dirty="0">
                 <a:solidFill>
                   <a:schemeClr val="tx1"/>
                 </a:solidFill>
               </a:rPr>
-              <a:t>, </a:t>
-            </a:r>
+              <a:t> </a:t>
+            </a:r>
+            <a:r>
+              <a:rPr lang="en-US" altLang="ko-KR" sz="1100" dirty="0" smtClean="0">
+                <a:solidFill>
+                  <a:schemeClr val="tx1"/>
+                </a:solidFill>
+              </a:rPr>
+              <a:t>                - </a:t>
+            </a:r>
+            <a:r>
+              <a:rPr lang="ko-KR" altLang="en-US" sz="1100" dirty="0" smtClean="0">
+                <a:solidFill>
+                  <a:schemeClr val="tx1"/>
+                </a:solidFill>
+              </a:rPr>
+              <a:t>신청근태상세보기</a:t>
+            </a:r>
+            <a:endParaRPr lang="en-US" altLang="ko-KR" sz="1100" dirty="0">
+              <a:solidFill>
+                <a:schemeClr val="tx1"/>
+              </a:solidFill>
+            </a:endParaRPr>
           </a:p>
           <a:p>
             <a:r>
@@ -4933,7 +5231,23 @@
                   <a:schemeClr val="tx1"/>
                 </a:solidFill>
               </a:rPr>
-              <a:t>                </a:t>
+              <a:t>       </a:t>
+            </a:r>
+            <a:r>
+              <a:rPr lang="en-US" altLang="ko-KR" sz="1100" dirty="0" smtClean="0">
+                <a:solidFill>
+                  <a:schemeClr val="tx1"/>
+                </a:solidFill>
+              </a:rPr>
+              <a:t>     </a:t>
+            </a:r>
+            <a:r>
+              <a:rPr lang="ko-KR" altLang="en-US" sz="1100" dirty="0" smtClean="0">
+                <a:solidFill>
+                  <a:schemeClr val="tx1"/>
+                </a:solidFill>
+              </a:rPr>
+              <a:t>부서 </a:t>
             </a:r>
             <a:r>
               <a:rPr lang="ko-KR" altLang="en-US" sz="1100" dirty="0">
@@ -4941,24 +5255,51 @@
                   <a:schemeClr val="tx1"/>
                 </a:solidFill>
               </a:rPr>
-              <a:t>근태 신청 내역</a:t>
-            </a:r>
-            <a:r>
-              <a:rPr lang="en-US" altLang="ko-KR" sz="1100" dirty="0">
-                <a:solidFill>
-                  <a:schemeClr val="tx1"/>
-                </a:solidFill>
-              </a:rPr>
-              <a:t>, </a:t>
-            </a:r>
-            <a:r>
-              <a:rPr lang="ko-KR" altLang="en-US" sz="1100" dirty="0">
-                <a:solidFill>
-                  <a:schemeClr val="tx1"/>
-                </a:solidFill>
-              </a:rPr>
-              <a:t>부서 근태 조회</a:t>
-            </a:r>
+              <a:t>근태 </a:t>
+            </a:r>
+            <a:r>
+              <a:rPr lang="ko-KR" altLang="en-US" sz="1100" dirty="0" smtClean="0">
+                <a:solidFill>
+                  <a:schemeClr val="tx1"/>
+                </a:solidFill>
+              </a:rPr>
+              <a:t>조회</a:t>
+            </a:r>
+            <a:endParaRPr lang="en-US" altLang="ko-KR" sz="1100" dirty="0">
+              <a:solidFill>
+                <a:schemeClr val="tx1"/>
+              </a:solidFill>
+            </a:endParaRPr>
+          </a:p>
+          <a:p>
+            <a:r>
+              <a:rPr lang="en-US" altLang="ko-KR" sz="1100" dirty="0" smtClean="0">
+                <a:solidFill>
+                  <a:schemeClr val="tx1"/>
+                </a:solidFill>
+              </a:rPr>
+              <a:t>                 - </a:t>
+            </a:r>
+            <a:r>
+              <a:rPr lang="ko-KR" altLang="en-US" sz="1100" dirty="0" err="1" smtClean="0">
+                <a:solidFill>
+                  <a:schemeClr val="tx1"/>
+                </a:solidFill>
+              </a:rPr>
+              <a:t>사원별근태기록조회</a:t>
+            </a:r>
+            <a:endParaRPr lang="en-US" altLang="ko-KR" sz="1100" dirty="0" smtClean="0">
+              <a:solidFill>
+                <a:schemeClr val="tx1"/>
+              </a:solidFill>
+            </a:endParaRPr>
+          </a:p>
+          <a:p>
+            <a:endParaRPr lang="ko-KR" altLang="en-US" sz="1100" dirty="0">
+              <a:solidFill>
+                <a:schemeClr val="tx1"/>
+              </a:solidFill>
+            </a:endParaRPr>
           </a:p>
         </p:txBody>
       </p:sp>
